--- a/performace_analysis.pptx
+++ b/performace_analysis.pptx
@@ -5,14 +5,13 @@
     <p:sldMasterId id="2147483648" r:id="rId1"/>
   </p:sldMasterIdLst>
   <p:sldIdLst>
-    <p:sldId id="256" r:id="rId2"/>
-    <p:sldId id="257" r:id="rId3"/>
-    <p:sldId id="258" r:id="rId4"/>
-    <p:sldId id="259" r:id="rId5"/>
-    <p:sldId id="260" r:id="rId6"/>
-    <p:sldId id="261" r:id="rId7"/>
-    <p:sldId id="262" r:id="rId8"/>
-    <p:sldId id="264" r:id="rId9"/>
+    <p:sldId id="257" r:id="rId2"/>
+    <p:sldId id="258" r:id="rId3"/>
+    <p:sldId id="259" r:id="rId4"/>
+    <p:sldId id="260" r:id="rId5"/>
+    <p:sldId id="261" r:id="rId6"/>
+    <p:sldId id="262" r:id="rId7"/>
+    <p:sldId id="264" r:id="rId8"/>
   </p:sldIdLst>
   <p:sldSz cx="12192000" cy="6858000"/>
   <p:notesSz cx="6858000" cy="9144000"/>
@@ -3354,55 +3353,51 @@
           <p:cNvPr id="2" name="Title 1">
             <a:extLst>
               <a:ext uri="{FF2B5EF4-FFF2-40B4-BE49-F238E27FC236}">
-                <a16:creationId xmlns:a16="http://schemas.microsoft.com/office/drawing/2014/main" id="{4770D576-96E3-B403-00A9-DF2CB3F8AD8D}"/>
-              </a:ext>
-            </a:extLst>
-          </p:cNvPr>
-          <p:cNvSpPr>
-            <a:spLocks noGrp="1"/>
-          </p:cNvSpPr>
-          <p:nvPr>
-            <p:ph type="ctrTitle"/>
-          </p:nvPr>
-        </p:nvSpPr>
-        <p:spPr/>
-        <p:txBody>
-          <a:bodyPr/>
-          <a:lstStyle/>
-          <a:p>
+                <a16:creationId xmlns:a16="http://schemas.microsoft.com/office/drawing/2014/main" id="{4DA60339-58A7-80E7-1EA8-DC00A5CBE1F7}"/>
+              </a:ext>
+            </a:extLst>
+          </p:cNvPr>
+          <p:cNvSpPr>
+            <a:spLocks noGrp="1"/>
+          </p:cNvSpPr>
+          <p:nvPr>
+            <p:ph type="title"/>
+          </p:nvPr>
+        </p:nvSpPr>
+        <p:spPr>
+          <a:xfrm>
+            <a:off x="838200" y="365125"/>
+            <a:ext cx="10515600" cy="6076016"/>
+          </a:xfrm>
+        </p:spPr>
+        <p:txBody>
+          <a:bodyPr>
+            <a:normAutofit/>
+          </a:bodyPr>
+          <a:lstStyle/>
+          <a:p>
+            <a:r>
+              <a:rPr lang="en-US" dirty="0"/>
+              <a:t>A Comprehensive Performance Analysis of Student Exam Scores.</a:t>
+            </a:r>
+            <a:br>
+              <a:rPr lang="en-US" dirty="0"/>
+            </a:br>
+            <a:br>
+              <a:rPr lang="en-US" dirty="0"/>
+            </a:br>
+            <a:r>
+              <a:rPr lang="en-US" dirty="0"/>
+              <a:t>Correlations between study habits, socio-economic factors, and academic outcomes.</a:t>
+            </a:r>
             <a:endParaRPr lang="en-GB" dirty="0"/>
-          </a:p>
-        </p:txBody>
-      </p:sp>
-      <p:sp>
-        <p:nvSpPr>
-          <p:cNvPr id="3" name="Subtitle 2">
-            <a:extLst>
-              <a:ext uri="{FF2B5EF4-FFF2-40B4-BE49-F238E27FC236}">
-                <a16:creationId xmlns:a16="http://schemas.microsoft.com/office/drawing/2014/main" id="{A9DB0BC0-DE6B-8835-E466-159509174F2A}"/>
-              </a:ext>
-            </a:extLst>
-          </p:cNvPr>
-          <p:cNvSpPr>
-            <a:spLocks noGrp="1"/>
-          </p:cNvSpPr>
-          <p:nvPr>
-            <p:ph type="subTitle" idx="1"/>
-          </p:nvPr>
-        </p:nvSpPr>
-        <p:spPr/>
-        <p:txBody>
-          <a:bodyPr/>
-          <a:lstStyle/>
-          <a:p>
-            <a:endParaRPr lang="en-GB"/>
           </a:p>
         </p:txBody>
       </p:sp>
     </p:spTree>
     <p:extLst>
       <p:ext uri="{BB962C8B-B14F-4D97-AF65-F5344CB8AC3E}">
-        <p14:creationId xmlns:p14="http://schemas.microsoft.com/office/powerpoint/2010/main" val="210562390"/>
+        <p14:creationId xmlns:p14="http://schemas.microsoft.com/office/powerpoint/2010/main" val="1402949307"/>
       </p:ext>
     </p:extLst>
   </p:cSld>
@@ -3434,7 +3429,7 @@
           <p:cNvPr id="2" name="Title 1">
             <a:extLst>
               <a:ext uri="{FF2B5EF4-FFF2-40B4-BE49-F238E27FC236}">
-                <a16:creationId xmlns:a16="http://schemas.microsoft.com/office/drawing/2014/main" id="{4DA60339-58A7-80E7-1EA8-DC00A5CBE1F7}"/>
+                <a16:creationId xmlns:a16="http://schemas.microsoft.com/office/drawing/2014/main" id="{CD9FF8A1-2655-1686-2EE5-593F96569E57}"/>
               </a:ext>
             </a:extLst>
           </p:cNvPr>
@@ -3445,31 +3440,56 @@
             <p:ph type="title"/>
           </p:nvPr>
         </p:nvSpPr>
-        <p:spPr>
-          <a:xfrm>
-            <a:off x="838200" y="365125"/>
-            <a:ext cx="10515600" cy="6076016"/>
-          </a:xfrm>
-        </p:spPr>
-        <p:txBody>
-          <a:bodyPr>
-            <a:normAutofit/>
-          </a:bodyPr>
-          <a:lstStyle/>
-          <a:p>
+        <p:spPr/>
+        <p:txBody>
+          <a:bodyPr/>
+          <a:lstStyle/>
+          <a:p>
+            <a:pPr algn="ctr"/>
             <a:r>
               <a:rPr lang="en-US" dirty="0"/>
-              <a:t>A Comprehensive Performance Analysis of Student Exam Scores.</a:t>
-            </a:r>
-            <a:br>
+              <a:t>Introduction</a:t>
+            </a:r>
+            <a:endParaRPr lang="en-GB" dirty="0"/>
+          </a:p>
+        </p:txBody>
+      </p:sp>
+      <p:sp>
+        <p:nvSpPr>
+          <p:cNvPr id="3" name="Content Placeholder 2">
+            <a:extLst>
+              <a:ext uri="{FF2B5EF4-FFF2-40B4-BE49-F238E27FC236}">
+                <a16:creationId xmlns:a16="http://schemas.microsoft.com/office/drawing/2014/main" id="{666ECF4C-07E5-D043-5E47-9177D71B806C}"/>
+              </a:ext>
+            </a:extLst>
+          </p:cNvPr>
+          <p:cNvSpPr>
+            <a:spLocks noGrp="1"/>
+          </p:cNvSpPr>
+          <p:nvPr>
+            <p:ph idx="1"/>
+          </p:nvPr>
+        </p:nvSpPr>
+        <p:spPr/>
+        <p:txBody>
+          <a:bodyPr/>
+          <a:lstStyle/>
+          <a:p>
+            <a:pPr marL="0" indent="0">
+              <a:buNone/>
+            </a:pPr>
+            <a:r>
               <a:rPr lang="en-US" dirty="0"/>
-            </a:br>
-            <a:br>
+              <a:t>This report presents an in-depth analysis of the key factors influencing student academic performance, specifically their Exam Scores. </a:t>
+            </a:r>
+          </a:p>
+          <a:p>
+            <a:pPr marL="0" indent="0">
+              <a:buNone/>
+            </a:pPr>
+            <a:r>
               <a:rPr lang="en-US" dirty="0"/>
-            </a:br>
-            <a:r>
-              <a:rPr lang="en-US" dirty="0"/>
-              <a:t>Correlations between study habits, socio-economic factors, and academic outcomes.</a:t>
+              <a:t>By exploring correlations between variables such as study habits, attendance, sleep, motivation, and socio-economic status, the report seeks to identify the major drivers behind student success and provide actionable insights for educators, parents, and policymakers.</a:t>
             </a:r>
             <a:endParaRPr lang="en-GB" dirty="0"/>
           </a:p>
@@ -3478,7 +3498,7 @@
     </p:spTree>
     <p:extLst>
       <p:ext uri="{BB962C8B-B14F-4D97-AF65-F5344CB8AC3E}">
-        <p14:creationId xmlns:p14="http://schemas.microsoft.com/office/powerpoint/2010/main" val="1402949307"/>
+        <p14:creationId xmlns:p14="http://schemas.microsoft.com/office/powerpoint/2010/main" val="1515943100"/>
       </p:ext>
     </p:extLst>
   </p:cSld>
@@ -3510,7 +3530,7 @@
           <p:cNvPr id="2" name="Title 1">
             <a:extLst>
               <a:ext uri="{FF2B5EF4-FFF2-40B4-BE49-F238E27FC236}">
-                <a16:creationId xmlns:a16="http://schemas.microsoft.com/office/drawing/2014/main" id="{CD9FF8A1-2655-1686-2EE5-593F96569E57}"/>
+                <a16:creationId xmlns:a16="http://schemas.microsoft.com/office/drawing/2014/main" id="{C95BE919-79D3-D8E0-C11B-EB3730738623}"/>
               </a:ext>
             </a:extLst>
           </p:cNvPr>
@@ -3526,10 +3546,9 @@
           <a:bodyPr/>
           <a:lstStyle/>
           <a:p>
-            <a:pPr algn="ctr"/>
             <a:r>
               <a:rPr lang="en-US" dirty="0"/>
-              <a:t>Introduction</a:t>
+              <a:t>Objectives</a:t>
             </a:r>
             <a:endParaRPr lang="en-GB" dirty="0"/>
           </a:p>
@@ -3540,7 +3559,7 @@
           <p:cNvPr id="3" name="Content Placeholder 2">
             <a:extLst>
               <a:ext uri="{FF2B5EF4-FFF2-40B4-BE49-F238E27FC236}">
-                <a16:creationId xmlns:a16="http://schemas.microsoft.com/office/drawing/2014/main" id="{666ECF4C-07E5-D043-5E47-9177D71B806C}"/>
+                <a16:creationId xmlns:a16="http://schemas.microsoft.com/office/drawing/2014/main" id="{96765E07-CCA7-CEA3-D00B-D4806BB116B6}"/>
               </a:ext>
             </a:extLst>
           </p:cNvPr>
@@ -3561,7 +3580,7 @@
             </a:pPr>
             <a:r>
               <a:rPr lang="en-US" dirty="0"/>
-              <a:t>This report presents an in-depth analysis of the key factors influencing student academic performance, specifically their Exam Scores. </a:t>
+              <a:t>The primary objectives of this analysis are: </a:t>
             </a:r>
           </a:p>
           <a:p>
@@ -3570,7 +3589,25 @@
             </a:pPr>
             <a:r>
               <a:rPr lang="en-US" dirty="0"/>
-              <a:t>By exploring correlations between variables such as study habits, attendance, sleep, motivation, and socio-economic status, the report seeks to identify the major drivers behind student success and provide actionable insights for educators, parents, and policymakers.</a:t>
+              <a:t>• Identify Key Factors: Determine the most significant factors that correlate with student exam performance. </a:t>
+            </a:r>
+          </a:p>
+          <a:p>
+            <a:pPr marL="0" indent="0">
+              <a:buNone/>
+            </a:pPr>
+            <a:r>
+              <a:rPr lang="en-US" dirty="0"/>
+              <a:t>• Quantify Relationships: Measure the strength of the relationship between study habits, socio-economic conditions, parental involvement, and exam scores using correlation analysis. </a:t>
+            </a:r>
+          </a:p>
+          <a:p>
+            <a:pPr marL="0" indent="0">
+              <a:buNone/>
+            </a:pPr>
+            <a:r>
+              <a:rPr lang="en-US" dirty="0"/>
+              <a:t>• Provide Insights for Improvement: Offer recommendations based on data to help improve academic outcomes through targeted interventions. </a:t>
             </a:r>
             <a:endParaRPr lang="en-GB" dirty="0"/>
           </a:p>
@@ -3579,7 +3616,7 @@
     </p:spTree>
     <p:extLst>
       <p:ext uri="{BB962C8B-B14F-4D97-AF65-F5344CB8AC3E}">
-        <p14:creationId xmlns:p14="http://schemas.microsoft.com/office/powerpoint/2010/main" val="1515943100"/>
+        <p14:creationId xmlns:p14="http://schemas.microsoft.com/office/powerpoint/2010/main" val="2175832488"/>
       </p:ext>
     </p:extLst>
   </p:cSld>
@@ -3611,7 +3648,7 @@
           <p:cNvPr id="2" name="Title 1">
             <a:extLst>
               <a:ext uri="{FF2B5EF4-FFF2-40B4-BE49-F238E27FC236}">
-                <a16:creationId xmlns:a16="http://schemas.microsoft.com/office/drawing/2014/main" id="{C95BE919-79D3-D8E0-C11B-EB3730738623}"/>
+                <a16:creationId xmlns:a16="http://schemas.microsoft.com/office/drawing/2014/main" id="{CCD6EA8D-03F0-175E-2688-B037DE0A7D88}"/>
               </a:ext>
             </a:extLst>
           </p:cNvPr>
@@ -3629,7 +3666,7 @@
           <a:p>
             <a:r>
               <a:rPr lang="en-US" dirty="0"/>
-              <a:t>Objectives</a:t>
+              <a:t>Scope</a:t>
             </a:r>
             <a:endParaRPr lang="en-GB" dirty="0"/>
           </a:p>
@@ -3640,7 +3677,7 @@
           <p:cNvPr id="3" name="Content Placeholder 2">
             <a:extLst>
               <a:ext uri="{FF2B5EF4-FFF2-40B4-BE49-F238E27FC236}">
-                <a16:creationId xmlns:a16="http://schemas.microsoft.com/office/drawing/2014/main" id="{96765E07-CCA7-CEA3-D00B-D4806BB116B6}"/>
+                <a16:creationId xmlns:a16="http://schemas.microsoft.com/office/drawing/2014/main" id="{F4F32691-8855-A01C-0C47-46660637983E}"/>
               </a:ext>
             </a:extLst>
           </p:cNvPr>
@@ -3653,7 +3690,9 @@
         </p:nvSpPr>
         <p:spPr/>
         <p:txBody>
-          <a:bodyPr/>
+          <a:bodyPr>
+            <a:normAutofit lnSpcReduction="10000"/>
+          </a:bodyPr>
           <a:lstStyle/>
           <a:p>
             <a:pPr marL="0" indent="0">
@@ -3661,7 +3700,7 @@
             </a:pPr>
             <a:r>
               <a:rPr lang="en-US" dirty="0"/>
-              <a:t>The primary objectives of this analysis are: </a:t>
+              <a:t>The analysis covers the following factors: </a:t>
             </a:r>
           </a:p>
           <a:p>
@@ -3670,7 +3709,7 @@
             </a:pPr>
             <a:r>
               <a:rPr lang="en-US" dirty="0"/>
-              <a:t>• Identify Key Factors: Determine the most significant factors that correlate with student exam performance. </a:t>
+              <a:t>• Study Habits: Hours spent studying, participation in tutoring sessions, and attendance. </a:t>
             </a:r>
           </a:p>
           <a:p>
@@ -3679,7 +3718,7 @@
             </a:pPr>
             <a:r>
               <a:rPr lang="en-US" dirty="0"/>
-              <a:t>• Quantify Relationships: Measure the strength of the relationship between study habits, socio-economic conditions, parental involvement, and exam scores using correlation analysis. </a:t>
+              <a:t>• Socio-economic factors: Family income, parental involvement, access to resources, and parental education level. </a:t>
             </a:r>
           </a:p>
           <a:p>
@@ -3688,7 +3727,25 @@
             </a:pPr>
             <a:r>
               <a:rPr lang="en-US" dirty="0"/>
-              <a:t>• Provide Insights for Improvement: Offer recommendations based on data to help improve academic outcomes through targeted interventions. </a:t>
+              <a:t>• Lifestyle Factors: Sleep hours, physical activity, distance from home, and peer influence. </a:t>
+            </a:r>
+          </a:p>
+          <a:p>
+            <a:pPr marL="0" indent="0">
+              <a:buNone/>
+            </a:pPr>
+            <a:r>
+              <a:rPr lang="en-US" dirty="0"/>
+              <a:t>• External Factors: Teacher quality, school type (public vs. private), and availability of internet access. </a:t>
+            </a:r>
+          </a:p>
+          <a:p>
+            <a:pPr marL="0" indent="0">
+              <a:buNone/>
+            </a:pPr>
+            <a:r>
+              <a:rPr lang="en-US" dirty="0"/>
+              <a:t>• Demographics: Gender and the presence of learning disabilities </a:t>
             </a:r>
             <a:endParaRPr lang="en-GB" dirty="0"/>
           </a:p>
@@ -3697,7 +3754,7 @@
     </p:spTree>
     <p:extLst>
       <p:ext uri="{BB962C8B-B14F-4D97-AF65-F5344CB8AC3E}">
-        <p14:creationId xmlns:p14="http://schemas.microsoft.com/office/powerpoint/2010/main" val="2175832488"/>
+        <p14:creationId xmlns:p14="http://schemas.microsoft.com/office/powerpoint/2010/main" val="3247447455"/>
       </p:ext>
     </p:extLst>
   </p:cSld>
@@ -3729,7 +3786,7 @@
           <p:cNvPr id="2" name="Title 1">
             <a:extLst>
               <a:ext uri="{FF2B5EF4-FFF2-40B4-BE49-F238E27FC236}">
-                <a16:creationId xmlns:a16="http://schemas.microsoft.com/office/drawing/2014/main" id="{CCD6EA8D-03F0-175E-2688-B037DE0A7D88}"/>
+                <a16:creationId xmlns:a16="http://schemas.microsoft.com/office/drawing/2014/main" id="{4E706C17-03B9-B632-9C79-A91E92579EF0}"/>
               </a:ext>
             </a:extLst>
           </p:cNvPr>
@@ -3747,7 +3804,7 @@
           <a:p>
             <a:r>
               <a:rPr lang="en-US" dirty="0"/>
-              <a:t>Scope</a:t>
+              <a:t>Data Overview</a:t>
             </a:r>
             <a:endParaRPr lang="en-GB" dirty="0"/>
           </a:p>
@@ -3758,7 +3815,7 @@
           <p:cNvPr id="3" name="Content Placeholder 2">
             <a:extLst>
               <a:ext uri="{FF2B5EF4-FFF2-40B4-BE49-F238E27FC236}">
-                <a16:creationId xmlns:a16="http://schemas.microsoft.com/office/drawing/2014/main" id="{F4F32691-8855-A01C-0C47-46660637983E}"/>
+                <a16:creationId xmlns:a16="http://schemas.microsoft.com/office/drawing/2014/main" id="{BF36B220-7C44-0492-6103-D5D66A2BAFB7}"/>
               </a:ext>
             </a:extLst>
           </p:cNvPr>
@@ -3771,9 +3828,7 @@
         </p:nvSpPr>
         <p:spPr/>
         <p:txBody>
-          <a:bodyPr>
-            <a:normAutofit lnSpcReduction="10000"/>
-          </a:bodyPr>
+          <a:bodyPr/>
           <a:lstStyle/>
           <a:p>
             <a:pPr marL="0" indent="0">
@@ -3781,16 +3836,22 @@
             </a:pPr>
             <a:r>
               <a:rPr lang="en-US" dirty="0"/>
-              <a:t>The analysis covers the following factors: </a:t>
+              <a:t>The dataset includes key variables that are believed to influence student exam performance: </a:t>
             </a:r>
           </a:p>
           <a:p>
             <a:pPr marL="0" indent="0">
               <a:buNone/>
             </a:pPr>
+            <a:endParaRPr lang="en-US" dirty="0"/>
+          </a:p>
+          <a:p>
+            <a:pPr marL="0" indent="0">
+              <a:buNone/>
+            </a:pPr>
             <a:r>
               <a:rPr lang="en-US" dirty="0"/>
-              <a:t>• Study Habits: Hours spent studying, participation in tutoring sessions, and attendance. </a:t>
+              <a:t>• Exam Scores: dependent variable representing student performance. • Independent variables: factors such as hour studied, attendance, sleep hours, motivation level, family income, tutorial sessions, parental involvement, and distance from home among others. </a:t>
             </a:r>
           </a:p>
           <a:p>
@@ -3799,34 +3860,7 @@
             </a:pPr>
             <a:r>
               <a:rPr lang="en-US" dirty="0"/>
-              <a:t>• Socio-economic factors: Family income, parental involvement, access to resources, and parental education level. </a:t>
-            </a:r>
-          </a:p>
-          <a:p>
-            <a:pPr marL="0" indent="0">
-              <a:buNone/>
-            </a:pPr>
-            <a:r>
-              <a:rPr lang="en-US" dirty="0"/>
-              <a:t>• Lifestyle Factors: Sleep hours, physical activity, distance from home, and peer influence. </a:t>
-            </a:r>
-          </a:p>
-          <a:p>
-            <a:pPr marL="0" indent="0">
-              <a:buNone/>
-            </a:pPr>
-            <a:r>
-              <a:rPr lang="en-US" dirty="0"/>
-              <a:t>• External Factors: Teacher quality, school type (public vs. private), and availability of internet access. </a:t>
-            </a:r>
-          </a:p>
-          <a:p>
-            <a:pPr marL="0" indent="0">
-              <a:buNone/>
-            </a:pPr>
-            <a:r>
-              <a:rPr lang="en-US" dirty="0"/>
-              <a:t>• Demographics: Gender and the presence of learning disabilities </a:t>
+              <a:t>• Sample Population: The analysis is based on a dataset containing individual student records and their corresponding exam scores.</a:t>
             </a:r>
             <a:endParaRPr lang="en-GB" dirty="0"/>
           </a:p>
@@ -3835,7 +3869,7 @@
     </p:spTree>
     <p:extLst>
       <p:ext uri="{BB962C8B-B14F-4D97-AF65-F5344CB8AC3E}">
-        <p14:creationId xmlns:p14="http://schemas.microsoft.com/office/powerpoint/2010/main" val="3247447455"/>
+        <p14:creationId xmlns:p14="http://schemas.microsoft.com/office/powerpoint/2010/main" val="788682611"/>
       </p:ext>
     </p:extLst>
   </p:cSld>
@@ -3867,121 +3901,6 @@
           <p:cNvPr id="2" name="Title 1">
             <a:extLst>
               <a:ext uri="{FF2B5EF4-FFF2-40B4-BE49-F238E27FC236}">
-                <a16:creationId xmlns:a16="http://schemas.microsoft.com/office/drawing/2014/main" id="{4E706C17-03B9-B632-9C79-A91E92579EF0}"/>
-              </a:ext>
-            </a:extLst>
-          </p:cNvPr>
-          <p:cNvSpPr>
-            <a:spLocks noGrp="1"/>
-          </p:cNvSpPr>
-          <p:nvPr>
-            <p:ph type="title"/>
-          </p:nvPr>
-        </p:nvSpPr>
-        <p:spPr/>
-        <p:txBody>
-          <a:bodyPr/>
-          <a:lstStyle/>
-          <a:p>
-            <a:r>
-              <a:rPr lang="en-US" dirty="0"/>
-              <a:t>Data Overview</a:t>
-            </a:r>
-            <a:endParaRPr lang="en-GB" dirty="0"/>
-          </a:p>
-        </p:txBody>
-      </p:sp>
-      <p:sp>
-        <p:nvSpPr>
-          <p:cNvPr id="3" name="Content Placeholder 2">
-            <a:extLst>
-              <a:ext uri="{FF2B5EF4-FFF2-40B4-BE49-F238E27FC236}">
-                <a16:creationId xmlns:a16="http://schemas.microsoft.com/office/drawing/2014/main" id="{BF36B220-7C44-0492-6103-D5D66A2BAFB7}"/>
-              </a:ext>
-            </a:extLst>
-          </p:cNvPr>
-          <p:cNvSpPr>
-            <a:spLocks noGrp="1"/>
-          </p:cNvSpPr>
-          <p:nvPr>
-            <p:ph idx="1"/>
-          </p:nvPr>
-        </p:nvSpPr>
-        <p:spPr/>
-        <p:txBody>
-          <a:bodyPr/>
-          <a:lstStyle/>
-          <a:p>
-            <a:pPr marL="0" indent="0">
-              <a:buNone/>
-            </a:pPr>
-            <a:r>
-              <a:rPr lang="en-US" dirty="0"/>
-              <a:t>The dataset includes key variables that are believed to influence student exam performance: </a:t>
-            </a:r>
-          </a:p>
-          <a:p>
-            <a:pPr marL="0" indent="0">
-              <a:buNone/>
-            </a:pPr>
-            <a:endParaRPr lang="en-US" dirty="0"/>
-          </a:p>
-          <a:p>
-            <a:pPr marL="0" indent="0">
-              <a:buNone/>
-            </a:pPr>
-            <a:r>
-              <a:rPr lang="en-US" dirty="0"/>
-              <a:t>• Exam Scores: dependent variable representing student performance. • Independent variables: factors such as hour studied, attendance, sleep hours, motivation level, family income, tutorial sessions, parental involvement, and distance from home among others. </a:t>
-            </a:r>
-          </a:p>
-          <a:p>
-            <a:pPr marL="0" indent="0">
-              <a:buNone/>
-            </a:pPr>
-            <a:r>
-              <a:rPr lang="en-US" dirty="0"/>
-              <a:t>• Sample Population: The analysis is based on a dataset containing individual student records and their corresponding exam scores.</a:t>
-            </a:r>
-            <a:endParaRPr lang="en-GB" dirty="0"/>
-          </a:p>
-        </p:txBody>
-      </p:sp>
-    </p:spTree>
-    <p:extLst>
-      <p:ext uri="{BB962C8B-B14F-4D97-AF65-F5344CB8AC3E}">
-        <p14:creationId xmlns:p14="http://schemas.microsoft.com/office/powerpoint/2010/main" val="788682611"/>
-      </p:ext>
-    </p:extLst>
-  </p:cSld>
-  <p:clrMapOvr>
-    <a:masterClrMapping/>
-  </p:clrMapOvr>
-</p:sld>
-</file>
-
-<file path=ppt/slides/slide7.xml><?xml version="1.0" encoding="utf-8"?>
-<p:sld xmlns:a="http://schemas.openxmlformats.org/drawingml/2006/main" xmlns:r="http://schemas.openxmlformats.org/officeDocument/2006/relationships" xmlns:p="http://schemas.openxmlformats.org/presentationml/2006/main">
-  <p:cSld>
-    <p:spTree>
-      <p:nvGrpSpPr>
-        <p:cNvPr id="1" name=""/>
-        <p:cNvGrpSpPr/>
-        <p:nvPr/>
-      </p:nvGrpSpPr>
-      <p:grpSpPr>
-        <a:xfrm>
-          <a:off x="0" y="0"/>
-          <a:ext cx="0" cy="0"/>
-          <a:chOff x="0" y="0"/>
-          <a:chExt cx="0" cy="0"/>
-        </a:xfrm>
-      </p:grpSpPr>
-      <p:sp>
-        <p:nvSpPr>
-          <p:cNvPr id="2" name="Title 1">
-            <a:extLst>
-              <a:ext uri="{FF2B5EF4-FFF2-40B4-BE49-F238E27FC236}">
                 <a16:creationId xmlns:a16="http://schemas.microsoft.com/office/drawing/2014/main" id="{D8012A54-98F2-DA79-151B-21F3294FCF82}"/>
               </a:ext>
             </a:extLst>
@@ -4078,7 +3997,7 @@
 </p:sld>
 </file>
 
-<file path=ppt/slides/slide8.xml><?xml version="1.0" encoding="utf-8"?>
+<file path=ppt/slides/slide7.xml><?xml version="1.0" encoding="utf-8"?>
 <p:sld xmlns:a="http://schemas.openxmlformats.org/drawingml/2006/main" xmlns:r="http://schemas.openxmlformats.org/officeDocument/2006/relationships" xmlns:p="http://schemas.openxmlformats.org/presentationml/2006/main">
   <p:cSld>
     <p:spTree>
